--- a/output/modernWorship/Waiting-Here-for-you.pptx
+++ b/output/modernWorship/Waiting-Here-for-you.pptx
@@ -3867,7 +3867,7 @@
             </a:r>
             <a:br/>
             <a:r>
-              <a:t>We come with expectation                           </a:t>
+              <a:t>We come with expectation</a:t>
             </a:r>
             <a:br/>
             <a:r>
@@ -4065,11 +4065,11 @@
               <a:defRPr sz="2500"/>
             </a:pPr>
             <a:r>
-              <a:t>Waiting here for You </a:t>
+              <a:t>Waiting here for You</a:t>
             </a:r>
             <a:br/>
             <a:r>
-              <a:t>With our hands lifted high  in praise   </a:t>
+              <a:t>With our hands lifted high  in praise</a:t>
             </a:r>
             <a:br/>
             <a:r>
